--- a/slides/Arlo_git_notation.pptx
+++ b/slides/Arlo_git_notation.pptx
@@ -229,7 +229,7 @@
           <a:p>
             <a:fld id="{4B6CA892-5368-104E-9915-F269845A1B41}" type="datetimeFigureOut">
               <a:rPr lang="en-US" smtClean="0"/>
-              <a:t>8/18/23</a:t>
+              <a:t>3/5/25</a:t>
             </a:fld>
             <a:endParaRPr lang="en-US"/>
           </a:p>
@@ -838,7 +838,7 @@
                 </a:solidFill>
               </a:rPr>
               <a:pPr/>
-              <a:t>8/18/23</a:t>
+              <a:t>3/5/25</a:t>
             </a:fld>
             <a:endParaRPr lang="en-US">
               <a:solidFill>
@@ -6375,14 +6375,14 @@
           </a:effectLst>
           <a:extLst>
             <a:ext uri="{909E8E84-426E-40dd-AFC4-6F175D3DCCD1}">
-              <a14:hiddenFill xmlns="" xmlns:a14="http://schemas.microsoft.com/office/drawing/2010/main">
+              <a14:hiddenFill xmlns:a14="http://schemas.microsoft.com/office/drawing/2010/main" xmlns="">
                 <a:solidFill>
                   <a:schemeClr val="accent1"/>
                 </a:solidFill>
               </a14:hiddenFill>
             </a:ext>
             <a:ext uri="{91240B29-F687-4f45-9708-019B960494DF}">
-              <a14:hiddenLine xmlns="" xmlns:a14="http://schemas.microsoft.com/office/drawing/2010/main" w="9525">
+              <a14:hiddenLine xmlns:a14="http://schemas.microsoft.com/office/drawing/2010/main" xmlns="" w="9525">
                 <a:solidFill>
                   <a:schemeClr val="tx1"/>
                 </a:solidFill>
